--- a/PowerPoint/09 - Constraint Analysis.pptx
+++ b/PowerPoint/09 - Constraint Analysis.pptx
@@ -8253,11 +8253,14 @@
               <a:t>expr.type</a:t>
             </a:r>
             <a:r>
-              <a:rPr lang="en-US" sz="1800" dirty="0">
-                <a:latin typeface="Consolas" pitchFamily="49" charset="0"/>
-              </a:rPr>
-              <a:t>)</a:t>
-            </a:r>
+              <a:rPr lang="en-US" sz="1800">
+                <a:latin typeface="Consolas" pitchFamily="49" charset="0"/>
+              </a:rPr>
+              <a:t>))</a:t>
+            </a:r>
+            <a:endParaRPr lang="en-US" sz="1800" dirty="0">
+              <a:latin typeface="Consolas" pitchFamily="49" charset="0"/>
+            </a:endParaRPr>
           </a:p>
           <a:p>
             <a:pPr marL="182880" indent="0">
